--- a/Sciencer.pptx
+++ b/Sciencer.pptx
@@ -2781,7 +2781,7 @@
         <p:spPr>
           <a:xfrm>
             <a:off x="838200" y="1825625"/>
-            <a:ext cx="10406380" cy="4351655"/>
+            <a:ext cx="6690995" cy="4351655"/>
           </a:xfrm>
         </p:spPr>
         <p:txBody>
@@ -2850,6 +2850,32 @@
           </a:p>
         </p:txBody>
       </p:sp>
+      <p:pic>
+        <p:nvPicPr>
+          <p:cNvPr id="7" name="Content Placeholder 6"/>
+          <p:cNvPicPr>
+            <a:picLocks noChangeAspect="1"/>
+          </p:cNvPicPr>
+          <p:nvPr>
+            <p:ph sz="half" idx="2"/>
+          </p:nvPr>
+        </p:nvPicPr>
+        <p:blipFill>
+          <a:blip r:embed="rId1"/>
+          <a:stretch>
+            <a:fillRect/>
+          </a:stretch>
+        </p:blipFill>
+        <p:spPr>
+          <a:xfrm>
+            <a:off x="7741285" y="1551305"/>
+            <a:ext cx="4277995" cy="4351655"/>
+          </a:xfrm>
+          <a:prstGeom prst="rect">
+            <a:avLst/>
+          </a:prstGeom>
+        </p:spPr>
+      </p:pic>
     </p:spTree>
   </p:cSld>
   <p:clrMapOvr>
@@ -3169,70 +3195,85 @@
             <p:ph sz="half" idx="1"/>
           </p:nvPr>
         </p:nvSpPr>
-        <p:spPr/>
-        <p:txBody>
-          <a:bodyPr/>
-          <a:p>
+        <p:spPr>
+          <a:xfrm>
+            <a:off x="838200" y="1825625"/>
+            <a:ext cx="8128000" cy="4351655"/>
+          </a:xfrm>
+        </p:spPr>
+        <p:txBody>
+          <a:bodyPr/>
+          <a:p>
+            <a:pPr>
+              <a:buFont typeface="Wingdings" panose="05000000000000000000" charset="0"/>
+              <a:buChar char="v"/>
+            </a:pPr>
             <a:r>
               <a:rPr lang="en-US"/>
-              <a:t>walk through the test page</a:t>
-            </a:r>
-            <a:endParaRPr lang="en-US"/>
-          </a:p>
-          <a:p>
+              <a:t>Walk through the test page</a:t>
+            </a:r>
+            <a:endParaRPr lang="en-US"/>
+          </a:p>
+          <a:p>
+            <a:pPr>
+              <a:buFont typeface="Wingdings" panose="05000000000000000000" charset="0"/>
+              <a:buChar char="v"/>
+            </a:pPr>
             <a:r>
               <a:rPr lang="en-US"/>
-              <a:t>1st completely wrong</a:t>
-            </a:r>
-            <a:endParaRPr lang="en-US"/>
-          </a:p>
-          <a:p>
+              <a:t>1st question completely wrong</a:t>
+            </a:r>
+            <a:endParaRPr lang="en-US"/>
+          </a:p>
+          <a:p>
+            <a:pPr>
+              <a:buFont typeface="Wingdings" panose="05000000000000000000" charset="0"/>
+              <a:buChar char="v"/>
+            </a:pPr>
             <a:r>
               <a:rPr lang="en-US"/>
-              <a:t>2nd 2nd spelling mistake on keyword</a:t>
-            </a:r>
-            <a:endParaRPr lang="en-US"/>
-          </a:p>
-          <a:p>
+              <a:t>2nd question spelling mistake on keyword</a:t>
+            </a:r>
+            <a:endParaRPr lang="en-US"/>
+          </a:p>
+          <a:p>
+            <a:pPr>
+              <a:buFont typeface="Wingdings" panose="05000000000000000000" charset="0"/>
+              <a:buChar char="v"/>
+            </a:pPr>
             <a:r>
               <a:rPr lang="en-US"/>
-              <a:t>3rd inofensive spelling mistake</a:t>
-            </a:r>
-            <a:endParaRPr lang="en-US"/>
-          </a:p>
-          <a:p>
+              <a:t>3rd question inofensive spelling mistake</a:t>
+            </a:r>
+            <a:endParaRPr lang="en-US"/>
+          </a:p>
+          <a:p>
+            <a:pPr>
+              <a:buFont typeface="Wingdings" panose="05000000000000000000" charset="0"/>
+              <a:buChar char="v"/>
+            </a:pPr>
             <a:r>
               <a:rPr lang="en-US"/>
-              <a:t>4th correnct</a:t>
-            </a:r>
-            <a:endParaRPr lang="en-US"/>
-          </a:p>
-          <a:p>
+              <a:t>4th question correct</a:t>
+            </a:r>
+            <a:endParaRPr lang="en-US"/>
+          </a:p>
+          <a:p>
+            <a:pPr>
+              <a:buFont typeface="Wingdings" panose="05000000000000000000" charset="0"/>
+              <a:buChar char="v"/>
+            </a:pPr>
             <a:r>
               <a:rPr lang="en-US"/>
-              <a:t>Students can leave feedback which thea dmin can use to improve the AI</a:t>
-            </a:r>
-            <a:endParaRPr lang="en-US"/>
-          </a:p>
-          <a:p>
-            <a:endParaRPr lang="en-US"/>
-          </a:p>
-        </p:txBody>
-      </p:sp>
-      <p:sp>
-        <p:nvSpPr>
-          <p:cNvPr id="4" name="Content Placeholder 3"/>
-          <p:cNvSpPr>
-            <a:spLocks noGrp="1"/>
-          </p:cNvSpPr>
-          <p:nvPr>
-            <p:ph sz="half" idx="2"/>
-          </p:nvPr>
-        </p:nvSpPr>
-        <p:spPr/>
-        <p:txBody>
-          <a:bodyPr/>
-          <a:p>
+              <a:t>Students can leave feedback which the admin can use to improve the AI</a:t>
+            </a:r>
+            <a:endParaRPr lang="en-US"/>
+          </a:p>
+          <a:p>
+            <a:pPr marL="0" indent="0">
+              <a:buFont typeface="Wingdings" panose="05000000000000000000" charset="0"/>
+              <a:buNone/>
+            </a:pPr>
             <a:endParaRPr lang="en-US"/>
           </a:p>
         </p:txBody>
@@ -3346,6 +3387,10 @@
         <p:txBody>
           <a:bodyPr/>
           <a:p>
+            <a:pPr>
+              <a:buFont typeface="Wingdings" panose="05000000000000000000" charset="0"/>
+              <a:buChar char="v"/>
+            </a:pPr>
             <a:r>
               <a:rPr lang="en-US"/>
               <a:t>Human friendly definition files</a:t>
@@ -3353,13 +3398,21 @@
             <a:endParaRPr lang="en-US"/>
           </a:p>
           <a:p>
+            <a:pPr>
+              <a:buFont typeface="Wingdings" panose="05000000000000000000" charset="0"/>
+              <a:buChar char="v"/>
+            </a:pPr>
             <a:r>
               <a:rPr lang="en-US"/>
-              <a:t>management interface</a:t>
-            </a:r>
-            <a:endParaRPr lang="en-US"/>
-          </a:p>
-          <a:p>
+              <a:t>Management interface</a:t>
+            </a:r>
+            <a:endParaRPr lang="en-US"/>
+          </a:p>
+          <a:p>
+            <a:pPr>
+              <a:buFont typeface="Wingdings" panose="05000000000000000000" charset="0"/>
+              <a:buChar char="v"/>
+            </a:pPr>
             <a:r>
               <a:rPr lang="en-US"/>
               <a:t>Examples and counterexamples</a:t>
@@ -3367,34 +3420,28 @@
             <a:endParaRPr lang="en-US"/>
           </a:p>
           <a:p>
+            <a:pPr>
+              <a:buFont typeface="Wingdings" panose="05000000000000000000" charset="0"/>
+              <a:buChar char="v"/>
+            </a:pPr>
             <a:r>
               <a:rPr lang="en-US"/>
-              <a:t>easy to integrate with other sources of information</a:t>
-            </a:r>
-            <a:endParaRPr lang="en-US"/>
-          </a:p>
-          <a:p>
-            <a:endParaRPr lang="en-US"/>
-          </a:p>
-          <a:p>
-            <a:endParaRPr lang="en-US"/>
-          </a:p>
-        </p:txBody>
-      </p:sp>
-      <p:sp>
-        <p:nvSpPr>
-          <p:cNvPr id="4" name="Content Placeholder 3"/>
-          <p:cNvSpPr>
-            <a:spLocks noGrp="1"/>
-          </p:cNvSpPr>
-          <p:nvPr>
-            <p:ph sz="half" idx="2"/>
-          </p:nvPr>
-        </p:nvSpPr>
-        <p:spPr/>
-        <p:txBody>
-          <a:bodyPr/>
-          <a:p>
+              <a:t>Easy to integrate with other sources of information</a:t>
+            </a:r>
+            <a:endParaRPr lang="en-US"/>
+          </a:p>
+          <a:p>
+            <a:pPr>
+              <a:buFont typeface="Wingdings" panose="05000000000000000000" charset="0"/>
+              <a:buChar char="v"/>
+            </a:pPr>
+            <a:endParaRPr lang="en-US"/>
+          </a:p>
+          <a:p>
+            <a:pPr>
+              <a:buFont typeface="Wingdings" panose="05000000000000000000" charset="0"/>
+              <a:buChar char="v"/>
+            </a:pPr>
             <a:endParaRPr lang="en-US"/>
           </a:p>
         </p:txBody>
@@ -3506,57 +3553,154 @@
             <p:ph sz="half" idx="1"/>
           </p:nvPr>
         </p:nvSpPr>
-        <p:spPr/>
-        <p:txBody>
-          <a:bodyPr/>
-          <a:p>
+        <p:spPr>
+          <a:xfrm>
+            <a:off x="838200" y="1825625"/>
+            <a:ext cx="7824470" cy="4351655"/>
+          </a:xfrm>
+        </p:spPr>
+        <p:txBody>
+          <a:bodyPr/>
+          <a:p>
+            <a:pPr>
+              <a:buFont typeface="Wingdings" panose="05000000000000000000" charset="0"/>
+              <a:buChar char="v"/>
+            </a:pPr>
             <a:r>
               <a:rPr lang="en-US"/>
-              <a:t>Build upon Watson library for natural language processing</a:t>
-            </a:r>
-            <a:endParaRPr lang="en-US"/>
-          </a:p>
-          <a:p>
+              <a:t>Built upon the Watson library for natural language processing</a:t>
+            </a:r>
+            <a:endParaRPr lang="en-US"/>
+          </a:p>
+          <a:p>
+            <a:pPr>
+              <a:buFont typeface="Wingdings" panose="05000000000000000000" charset="0"/>
+              <a:buChar char="v"/>
+            </a:pPr>
             <a:r>
               <a:rPr lang="en-US"/>
-              <a:t>pyhthon for programming logic</a:t>
-            </a:r>
-            <a:endParaRPr lang="en-US"/>
-          </a:p>
-          <a:p>
+              <a:t>Python for programming logic also know as the brain</a:t>
+            </a:r>
+            <a:endParaRPr lang="en-US"/>
+          </a:p>
+          <a:p>
+            <a:pPr>
+              <a:buFont typeface="Wingdings" panose="05000000000000000000" charset="0"/>
+              <a:buChar char="v"/>
+            </a:pPr>
             <a:r>
               <a:rPr lang="en-US"/>
-              <a:t>web design, multiplatform application (Flask, page templates)</a:t>
-            </a:r>
-            <a:endParaRPr lang="en-US"/>
-          </a:p>
-          <a:p>
-            <a:r>
-              <a:rPr lang="en-US"/>
-              <a:t> </a:t>
-            </a:r>
-            <a:endParaRPr lang="en-US"/>
-          </a:p>
-        </p:txBody>
-      </p:sp>
-      <p:sp>
-        <p:nvSpPr>
-          <p:cNvPr id="4" name="Content Placeholder 3"/>
-          <p:cNvSpPr>
-            <a:spLocks noGrp="1"/>
-          </p:cNvSpPr>
+              <a:t>Web design, multiplatform application (Flask, page templates)</a:t>
+            </a:r>
+            <a:endParaRPr lang="en-US"/>
+          </a:p>
+          <a:p>
+            <a:pPr marL="0" indent="0">
+              <a:buFont typeface="Wingdings" panose="05000000000000000000" charset="0"/>
+              <a:buNone/>
+            </a:pPr>
+            <a:endParaRPr lang="en-US"/>
+          </a:p>
+        </p:txBody>
+      </p:sp>
+      <p:pic>
+        <p:nvPicPr>
+          <p:cNvPr id="5" name="Content Placeholder 4"/>
+          <p:cNvPicPr>
+            <a:picLocks noChangeAspect="1"/>
+          </p:cNvPicPr>
           <p:nvPr>
             <p:ph sz="half" idx="2"/>
           </p:nvPr>
-        </p:nvSpPr>
-        <p:spPr/>
-        <p:txBody>
-          <a:bodyPr/>
-          <a:p>
-            <a:endParaRPr lang="en-US"/>
-          </a:p>
-        </p:txBody>
-      </p:sp>
+        </p:nvPicPr>
+        <p:blipFill>
+          <a:blip r:embed="rId1"/>
+          <a:stretch>
+            <a:fillRect/>
+          </a:stretch>
+        </p:blipFill>
+        <p:spPr>
+          <a:xfrm>
+            <a:off x="8795385" y="2734310"/>
+            <a:ext cx="2714625" cy="1685925"/>
+          </a:xfrm>
+          <a:prstGeom prst="rect">
+            <a:avLst/>
+          </a:prstGeom>
+        </p:spPr>
+      </p:pic>
+      <p:pic>
+        <p:nvPicPr>
+          <p:cNvPr id="6" name="Picture 5"/>
+          <p:cNvPicPr>
+            <a:picLocks noChangeAspect="1"/>
+          </p:cNvPicPr>
+          <p:nvPr/>
+        </p:nvPicPr>
+        <p:blipFill>
+          <a:blip r:embed="rId2"/>
+          <a:stretch>
+            <a:fillRect/>
+          </a:stretch>
+        </p:blipFill>
+        <p:spPr>
+          <a:xfrm>
+            <a:off x="10132060" y="4705985"/>
+            <a:ext cx="1690370" cy="1690370"/>
+          </a:xfrm>
+          <a:prstGeom prst="rect">
+            <a:avLst/>
+          </a:prstGeom>
+        </p:spPr>
+      </p:pic>
+      <p:pic>
+        <p:nvPicPr>
+          <p:cNvPr id="7" name="Picture 6"/>
+          <p:cNvPicPr>
+            <a:picLocks noChangeAspect="1"/>
+          </p:cNvPicPr>
+          <p:nvPr/>
+        </p:nvPicPr>
+        <p:blipFill>
+          <a:blip r:embed="rId3"/>
+          <a:stretch>
+            <a:fillRect/>
+          </a:stretch>
+        </p:blipFill>
+        <p:spPr>
+          <a:xfrm>
+            <a:off x="8795385" y="177800"/>
+            <a:ext cx="3027045" cy="2270125"/>
+          </a:xfrm>
+          <a:prstGeom prst="rect">
+            <a:avLst/>
+          </a:prstGeom>
+        </p:spPr>
+      </p:pic>
+      <p:pic>
+        <p:nvPicPr>
+          <p:cNvPr id="10" name="Picture 9"/>
+          <p:cNvPicPr>
+            <a:picLocks noChangeAspect="1"/>
+          </p:cNvPicPr>
+          <p:nvPr/>
+        </p:nvPicPr>
+        <p:blipFill>
+          <a:blip r:embed="rId4"/>
+          <a:stretch>
+            <a:fillRect/>
+          </a:stretch>
+        </p:blipFill>
+        <p:spPr>
+          <a:xfrm>
+            <a:off x="7333615" y="4815840"/>
+            <a:ext cx="2628900" cy="1471295"/>
+          </a:xfrm>
+          <a:prstGeom prst="rect">
+            <a:avLst/>
+          </a:prstGeom>
+        </p:spPr>
+      </p:pic>
     </p:spTree>
   </p:cSld>
   <p:clrMapOvr>
@@ -3662,21 +3806,34 @@
             <p:ph sz="half" idx="1"/>
           </p:nvPr>
         </p:nvSpPr>
-        <p:spPr/>
-        <p:txBody>
-          <a:bodyPr/>
-          <a:p>
+        <p:spPr>
+          <a:xfrm>
+            <a:off x="838200" y="1825625"/>
+            <a:ext cx="9321165" cy="4351655"/>
+          </a:xfrm>
+        </p:spPr>
+        <p:txBody>
+          <a:bodyPr/>
+          <a:p>
+            <a:pPr>
+              <a:buFont typeface="Wingdings" panose="05000000000000000000" charset="0"/>
+              <a:buChar char="v"/>
+            </a:pPr>
             <a:r>
               <a:rPr lang="en-US">
                 <a:sym typeface="+mn-ea"/>
               </a:rPr>
-              <a:t>Automatic imformation extraction from textbooks and test sheets</a:t>
+              <a:t>Automatic information extraction from textbooks and test sheets</a:t>
             </a:r>
             <a:endParaRPr lang="en-US">
               <a:sym typeface="+mn-ea"/>
             </a:endParaRPr>
           </a:p>
           <a:p>
+            <a:pPr>
+              <a:buFont typeface="Wingdings" panose="05000000000000000000" charset="0"/>
+              <a:buChar char="v"/>
+            </a:pPr>
             <a:r>
               <a:rPr lang="en-US">
                 <a:sym typeface="+mn-ea"/>
@@ -3688,12 +3845,23 @@
             </a:endParaRPr>
           </a:p>
           <a:p>
+            <a:pPr>
+              <a:buFont typeface="Wingdings" panose="05000000000000000000" charset="0"/>
+              <a:buChar char="v"/>
+            </a:pPr>
+            <a:r>
+              <a:rPr lang="en-US">
+                <a:sym typeface="+mn-ea"/>
+              </a:rPr>
+              <a:t>Genertate example using tsaurses</a:t>
+            </a:r>
             <a:endParaRPr lang="en-US">
               <a:sym typeface="+mn-ea"/>
             </a:endParaRPr>
           </a:p>
           <a:p>
             <a:pPr marL="0" indent="0">
+              <a:buFont typeface="Wingdings" panose="05000000000000000000" charset="0"/>
               <a:buNone/>
             </a:pPr>
             <a:endParaRPr lang="en-US">
@@ -3701,23 +3869,14 @@
             </a:endParaRPr>
           </a:p>
           <a:p>
-            <a:endParaRPr lang="en-US"/>
-          </a:p>
-        </p:txBody>
-      </p:sp>
-      <p:sp>
-        <p:nvSpPr>
-          <p:cNvPr id="4" name="Content Placeholder 3"/>
-          <p:cNvSpPr>
-            <a:spLocks noGrp="1"/>
-          </p:cNvSpPr>
-          <p:nvPr>
-            <p:ph sz="half" idx="2"/>
-          </p:nvPr>
-        </p:nvSpPr>
-        <p:spPr/>
-        <p:txBody>
-          <a:bodyPr/>
+            <a:pPr marL="457200" indent="-457200">
+              <a:buFont typeface="Wingdings" panose="05000000000000000000" charset="0"/>
+              <a:buChar char="v"/>
+            </a:pPr>
+            <a:endParaRPr lang="en-US">
+              <a:sym typeface="+mn-ea"/>
+            </a:endParaRPr>
+          </a:p>
           <a:p>
             <a:endParaRPr lang="en-US"/>
           </a:p>
@@ -3832,6 +3991,10 @@
         <p:txBody>
           <a:bodyPr/>
           <a:p>
+            <a:pPr>
+              <a:buFont typeface="Wingdings" panose="05000000000000000000" charset="0"/>
+              <a:buChar char="v"/>
+            </a:pPr>
             <a:r>
               <a:rPr lang="en-US"/>
               <a:t>School outreach</a:t>
@@ -3839,24 +4002,10 @@
             <a:endParaRPr lang="en-US"/>
           </a:p>
           <a:p>
-            <a:endParaRPr lang="en-US"/>
-          </a:p>
-        </p:txBody>
-      </p:sp>
-      <p:sp>
-        <p:nvSpPr>
-          <p:cNvPr id="4" name="Content Placeholder 3"/>
-          <p:cNvSpPr>
-            <a:spLocks noGrp="1"/>
-          </p:cNvSpPr>
-          <p:nvPr>
-            <p:ph sz="half" idx="2"/>
-          </p:nvPr>
-        </p:nvSpPr>
-        <p:spPr/>
-        <p:txBody>
-          <a:bodyPr/>
-          <a:p>
+            <a:pPr>
+              <a:buFont typeface="Wingdings" panose="05000000000000000000" charset="0"/>
+              <a:buChar char="v"/>
+            </a:pPr>
             <a:endParaRPr lang="en-US"/>
           </a:p>
         </p:txBody>
@@ -3881,7 +4030,7 @@
       <p:grpSpPr/>
       <p:pic>
         <p:nvPicPr>
-          <p:cNvPr id="7" name="Content Placeholder 6"/>
+          <p:cNvPr id="9" name="Content Placeholder 8"/>
           <p:cNvPicPr>
             <a:picLocks noChangeAspect="1"/>
           </p:cNvPicPr>
@@ -3897,8 +4046,8 @@
         </p:blipFill>
         <p:spPr>
           <a:xfrm>
-            <a:off x="0" y="-69850"/>
-            <a:ext cx="12179300" cy="7751445"/>
+            <a:off x="-21590" y="-16510"/>
+            <a:ext cx="12226290" cy="6887845"/>
           </a:xfrm>
           <a:prstGeom prst="rect">
             <a:avLst/>
